--- a/src/imgcre.pptx
+++ b/src/imgcre.pptx
@@ -261,7 +261,7 @@
           <a:p>
             <a:fld id="{295B06FE-37B6-48BF-A4B7-00A16CD004B8}" type="datetimeFigureOut">
               <a:rPr kumimoji="1" lang="ja-JP" altLang="en-US" smtClean="0"/>
-              <a:t>2025/9/12</a:t>
+              <a:t>2025/10/2</a:t>
             </a:fld>
             <a:endParaRPr kumimoji="1" lang="ja-JP" altLang="en-US"/>
           </a:p>
@@ -491,7 +491,7 @@
           <a:p>
             <a:fld id="{295B06FE-37B6-48BF-A4B7-00A16CD004B8}" type="datetimeFigureOut">
               <a:rPr kumimoji="1" lang="ja-JP" altLang="en-US" smtClean="0"/>
-              <a:t>2025/9/12</a:t>
+              <a:t>2025/10/2</a:t>
             </a:fld>
             <a:endParaRPr kumimoji="1" lang="ja-JP" altLang="en-US"/>
           </a:p>
@@ -731,7 +731,7 @@
           <a:p>
             <a:fld id="{295B06FE-37B6-48BF-A4B7-00A16CD004B8}" type="datetimeFigureOut">
               <a:rPr kumimoji="1" lang="ja-JP" altLang="en-US" smtClean="0"/>
-              <a:t>2025/9/12</a:t>
+              <a:t>2025/10/2</a:t>
             </a:fld>
             <a:endParaRPr kumimoji="1" lang="ja-JP" altLang="en-US"/>
           </a:p>
@@ -961,7 +961,7 @@
           <a:p>
             <a:fld id="{295B06FE-37B6-48BF-A4B7-00A16CD004B8}" type="datetimeFigureOut">
               <a:rPr kumimoji="1" lang="ja-JP" altLang="en-US" smtClean="0"/>
-              <a:t>2025/9/12</a:t>
+              <a:t>2025/10/2</a:t>
             </a:fld>
             <a:endParaRPr kumimoji="1" lang="ja-JP" altLang="en-US"/>
           </a:p>
@@ -1236,7 +1236,7 @@
           <a:p>
             <a:fld id="{295B06FE-37B6-48BF-A4B7-00A16CD004B8}" type="datetimeFigureOut">
               <a:rPr kumimoji="1" lang="ja-JP" altLang="en-US" smtClean="0"/>
-              <a:t>2025/9/12</a:t>
+              <a:t>2025/10/2</a:t>
             </a:fld>
             <a:endParaRPr kumimoji="1" lang="ja-JP" altLang="en-US"/>
           </a:p>
@@ -1565,7 +1565,7 @@
           <a:p>
             <a:fld id="{295B06FE-37B6-48BF-A4B7-00A16CD004B8}" type="datetimeFigureOut">
               <a:rPr kumimoji="1" lang="ja-JP" altLang="en-US" smtClean="0"/>
-              <a:t>2025/9/12</a:t>
+              <a:t>2025/10/2</a:t>
             </a:fld>
             <a:endParaRPr kumimoji="1" lang="ja-JP" altLang="en-US"/>
           </a:p>
@@ -2041,7 +2041,7 @@
           <a:p>
             <a:fld id="{295B06FE-37B6-48BF-A4B7-00A16CD004B8}" type="datetimeFigureOut">
               <a:rPr kumimoji="1" lang="ja-JP" altLang="en-US" smtClean="0"/>
-              <a:t>2025/9/12</a:t>
+              <a:t>2025/10/2</a:t>
             </a:fld>
             <a:endParaRPr kumimoji="1" lang="ja-JP" altLang="en-US"/>
           </a:p>
@@ -2182,7 +2182,7 @@
           <a:p>
             <a:fld id="{295B06FE-37B6-48BF-A4B7-00A16CD004B8}" type="datetimeFigureOut">
               <a:rPr kumimoji="1" lang="ja-JP" altLang="en-US" smtClean="0"/>
-              <a:t>2025/9/12</a:t>
+              <a:t>2025/10/2</a:t>
             </a:fld>
             <a:endParaRPr kumimoji="1" lang="ja-JP" altLang="en-US"/>
           </a:p>
@@ -2295,7 +2295,7 @@
           <a:p>
             <a:fld id="{295B06FE-37B6-48BF-A4B7-00A16CD004B8}" type="datetimeFigureOut">
               <a:rPr kumimoji="1" lang="ja-JP" altLang="en-US" smtClean="0"/>
-              <a:t>2025/9/12</a:t>
+              <a:t>2025/10/2</a:t>
             </a:fld>
             <a:endParaRPr kumimoji="1" lang="ja-JP" altLang="en-US"/>
           </a:p>
@@ -2638,7 +2638,7 @@
           <a:p>
             <a:fld id="{295B06FE-37B6-48BF-A4B7-00A16CD004B8}" type="datetimeFigureOut">
               <a:rPr kumimoji="1" lang="ja-JP" altLang="en-US" smtClean="0"/>
-              <a:t>2025/9/12</a:t>
+              <a:t>2025/10/2</a:t>
             </a:fld>
             <a:endParaRPr kumimoji="1" lang="ja-JP" altLang="en-US"/>
           </a:p>
@@ -2926,7 +2926,7 @@
           <a:p>
             <a:fld id="{295B06FE-37B6-48BF-A4B7-00A16CD004B8}" type="datetimeFigureOut">
               <a:rPr kumimoji="1" lang="ja-JP" altLang="en-US" smtClean="0"/>
-              <a:t>2025/9/12</a:t>
+              <a:t>2025/10/2</a:t>
             </a:fld>
             <a:endParaRPr kumimoji="1" lang="ja-JP" altLang="en-US"/>
           </a:p>
@@ -3199,7 +3199,7 @@
           <a:p>
             <a:fld id="{295B06FE-37B6-48BF-A4B7-00A16CD004B8}" type="datetimeFigureOut">
               <a:rPr kumimoji="1" lang="ja-JP" altLang="en-US" smtClean="0"/>
-              <a:t>2025/9/12</a:t>
+              <a:t>2025/10/2</a:t>
             </a:fld>
             <a:endParaRPr kumimoji="1" lang="ja-JP" altLang="en-US"/>
           </a:p>
@@ -4296,6 +4296,126 @@
           <a:chExt cx="0" cy="0"/>
         </a:xfrm>
       </p:grpSpPr>
+      <p:grpSp>
+        <p:nvGrpSpPr>
+          <p:cNvPr id="4" name="グループ化 3">
+            <a:extLst>
+              <a:ext uri="{FF2B5EF4-FFF2-40B4-BE49-F238E27FC236}">
+                <a16:creationId xmlns:a16="http://schemas.microsoft.com/office/drawing/2014/main" id="{A3E5526C-1712-9722-6437-439098718E42}"/>
+              </a:ext>
+            </a:extLst>
+          </p:cNvPr>
+          <p:cNvGrpSpPr/>
+          <p:nvPr/>
+        </p:nvGrpSpPr>
+        <p:grpSpPr>
+          <a:xfrm>
+            <a:off x="4758812" y="1582993"/>
+            <a:ext cx="2163097" cy="737419"/>
+            <a:chOff x="4758812" y="1582993"/>
+            <a:chExt cx="2163097" cy="737419"/>
+          </a:xfrm>
+        </p:grpSpPr>
+        <p:sp>
+          <p:nvSpPr>
+            <p:cNvPr id="2" name="矢印: V 字型 1">
+              <a:extLst>
+                <a:ext uri="{FF2B5EF4-FFF2-40B4-BE49-F238E27FC236}">
+                  <a16:creationId xmlns:a16="http://schemas.microsoft.com/office/drawing/2014/main" id="{9E0205BE-A713-CB6E-1DC3-9F8BF7DE980F}"/>
+                </a:ext>
+              </a:extLst>
+            </p:cNvPr>
+            <p:cNvSpPr/>
+            <p:nvPr/>
+          </p:nvSpPr>
+          <p:spPr>
+            <a:xfrm rot="10800000">
+              <a:off x="4758812" y="1582993"/>
+              <a:ext cx="2163097" cy="737419"/>
+            </a:xfrm>
+            <a:prstGeom prst="notchedRightArrow">
+              <a:avLst>
+                <a:gd name="adj1" fmla="val 100000"/>
+                <a:gd name="adj2" fmla="val 50000"/>
+              </a:avLst>
+            </a:prstGeom>
+            <a:solidFill>
+              <a:srgbClr val="F03510"/>
+            </a:solidFill>
+            <a:ln w="12700">
+              <a:solidFill>
+                <a:srgbClr val="FF0000"/>
+              </a:solidFill>
+              <a:prstDash val="solid"/>
+            </a:ln>
+          </p:spPr>
+          <p:style>
+            <a:lnRef idx="2">
+              <a:schemeClr val="accent1">
+                <a:shade val="15000"/>
+              </a:schemeClr>
+            </a:lnRef>
+            <a:fillRef idx="1">
+              <a:schemeClr val="accent1"/>
+            </a:fillRef>
+            <a:effectRef idx="0">
+              <a:schemeClr val="accent1"/>
+            </a:effectRef>
+            <a:fontRef idx="minor">
+              <a:schemeClr val="lt1"/>
+            </a:fontRef>
+          </p:style>
+          <p:txBody>
+            <a:bodyPr rtlCol="0" anchor="ctr"/>
+            <a:lstStyle/>
+            <a:p>
+              <a:pPr algn="ctr"/>
+              <a:endParaRPr kumimoji="1" lang="ja-JP" altLang="en-US"/>
+            </a:p>
+          </p:txBody>
+        </p:sp>
+        <p:sp>
+          <p:nvSpPr>
+            <p:cNvPr id="3" name="テキスト ボックス 2">
+              <a:extLst>
+                <a:ext uri="{FF2B5EF4-FFF2-40B4-BE49-F238E27FC236}">
+                  <a16:creationId xmlns:a16="http://schemas.microsoft.com/office/drawing/2014/main" id="{C1DED9EE-F5A2-488A-DB50-C7D01838D3B8}"/>
+                </a:ext>
+              </a:extLst>
+            </p:cNvPr>
+            <p:cNvSpPr txBox="1"/>
+            <p:nvPr/>
+          </p:nvSpPr>
+          <p:spPr>
+            <a:xfrm>
+              <a:off x="5132474" y="1659314"/>
+              <a:ext cx="1415772" cy="584775"/>
+            </a:xfrm>
+            <a:prstGeom prst="rect">
+              <a:avLst/>
+            </a:prstGeom>
+            <a:noFill/>
+          </p:spPr>
+          <p:txBody>
+            <a:bodyPr wrap="none" rtlCol="0">
+              <a:spAutoFit/>
+            </a:bodyPr>
+            <a:lstStyle/>
+            <a:p>
+              <a:r>
+                <a:rPr kumimoji="1" lang="ja-JP" altLang="en-US" sz="3200" dirty="0">
+                  <a:solidFill>
+                    <a:schemeClr val="bg1"/>
+                  </a:solidFill>
+                  <a:latin typeface="HG創英角ｺﾞｼｯｸUB" panose="020B0909000000000000" pitchFamily="49" charset="-128"/>
+                  <a:ea typeface="HG創英角ｺﾞｼｯｸUB" panose="020B0909000000000000" pitchFamily="49" charset="-128"/>
+                </a:rPr>
+                <a:t>未採点</a:t>
+              </a:r>
+            </a:p>
+          </p:txBody>
+        </p:sp>
+      </p:grpSp>
     </p:spTree>
     <p:extLst>
       <p:ext uri="{BB962C8B-B14F-4D97-AF65-F5344CB8AC3E}">

--- a/src/imgcre.pptx
+++ b/src/imgcre.pptx
@@ -8,6 +8,7 @@
     <p:sldId id="257" r:id="rId2"/>
     <p:sldId id="258" r:id="rId3"/>
     <p:sldId id="259" r:id="rId4"/>
+    <p:sldId id="260" r:id="rId5"/>
   </p:sldIdLst>
   <p:sldSz cx="12192000" cy="6858000"/>
   <p:notesSz cx="6858000" cy="9144000"/>
@@ -261,7 +262,7 @@
           <a:p>
             <a:fld id="{295B06FE-37B6-48BF-A4B7-00A16CD004B8}" type="datetimeFigureOut">
               <a:rPr kumimoji="1" lang="ja-JP" altLang="en-US" smtClean="0"/>
-              <a:t>2025/10/2</a:t>
+              <a:t>2025/11/1</a:t>
             </a:fld>
             <a:endParaRPr kumimoji="1" lang="ja-JP" altLang="en-US"/>
           </a:p>
@@ -491,7 +492,7 @@
           <a:p>
             <a:fld id="{295B06FE-37B6-48BF-A4B7-00A16CD004B8}" type="datetimeFigureOut">
               <a:rPr kumimoji="1" lang="ja-JP" altLang="en-US" smtClean="0"/>
-              <a:t>2025/10/2</a:t>
+              <a:t>2025/11/1</a:t>
             </a:fld>
             <a:endParaRPr kumimoji="1" lang="ja-JP" altLang="en-US"/>
           </a:p>
@@ -731,7 +732,7 @@
           <a:p>
             <a:fld id="{295B06FE-37B6-48BF-A4B7-00A16CD004B8}" type="datetimeFigureOut">
               <a:rPr kumimoji="1" lang="ja-JP" altLang="en-US" smtClean="0"/>
-              <a:t>2025/10/2</a:t>
+              <a:t>2025/11/1</a:t>
             </a:fld>
             <a:endParaRPr kumimoji="1" lang="ja-JP" altLang="en-US"/>
           </a:p>
@@ -961,7 +962,7 @@
           <a:p>
             <a:fld id="{295B06FE-37B6-48BF-A4B7-00A16CD004B8}" type="datetimeFigureOut">
               <a:rPr kumimoji="1" lang="ja-JP" altLang="en-US" smtClean="0"/>
-              <a:t>2025/10/2</a:t>
+              <a:t>2025/11/1</a:t>
             </a:fld>
             <a:endParaRPr kumimoji="1" lang="ja-JP" altLang="en-US"/>
           </a:p>
@@ -1236,7 +1237,7 @@
           <a:p>
             <a:fld id="{295B06FE-37B6-48BF-A4B7-00A16CD004B8}" type="datetimeFigureOut">
               <a:rPr kumimoji="1" lang="ja-JP" altLang="en-US" smtClean="0"/>
-              <a:t>2025/10/2</a:t>
+              <a:t>2025/11/1</a:t>
             </a:fld>
             <a:endParaRPr kumimoji="1" lang="ja-JP" altLang="en-US"/>
           </a:p>
@@ -1565,7 +1566,7 @@
           <a:p>
             <a:fld id="{295B06FE-37B6-48BF-A4B7-00A16CD004B8}" type="datetimeFigureOut">
               <a:rPr kumimoji="1" lang="ja-JP" altLang="en-US" smtClean="0"/>
-              <a:t>2025/10/2</a:t>
+              <a:t>2025/11/1</a:t>
             </a:fld>
             <a:endParaRPr kumimoji="1" lang="ja-JP" altLang="en-US"/>
           </a:p>
@@ -2041,7 +2042,7 @@
           <a:p>
             <a:fld id="{295B06FE-37B6-48BF-A4B7-00A16CD004B8}" type="datetimeFigureOut">
               <a:rPr kumimoji="1" lang="ja-JP" altLang="en-US" smtClean="0"/>
-              <a:t>2025/10/2</a:t>
+              <a:t>2025/11/1</a:t>
             </a:fld>
             <a:endParaRPr kumimoji="1" lang="ja-JP" altLang="en-US"/>
           </a:p>
@@ -2182,7 +2183,7 @@
           <a:p>
             <a:fld id="{295B06FE-37B6-48BF-A4B7-00A16CD004B8}" type="datetimeFigureOut">
               <a:rPr kumimoji="1" lang="ja-JP" altLang="en-US" smtClean="0"/>
-              <a:t>2025/10/2</a:t>
+              <a:t>2025/11/1</a:t>
             </a:fld>
             <a:endParaRPr kumimoji="1" lang="ja-JP" altLang="en-US"/>
           </a:p>
@@ -2295,7 +2296,7 @@
           <a:p>
             <a:fld id="{295B06FE-37B6-48BF-A4B7-00A16CD004B8}" type="datetimeFigureOut">
               <a:rPr kumimoji="1" lang="ja-JP" altLang="en-US" smtClean="0"/>
-              <a:t>2025/10/2</a:t>
+              <a:t>2025/11/1</a:t>
             </a:fld>
             <a:endParaRPr kumimoji="1" lang="ja-JP" altLang="en-US"/>
           </a:p>
@@ -2638,7 +2639,7 @@
           <a:p>
             <a:fld id="{295B06FE-37B6-48BF-A4B7-00A16CD004B8}" type="datetimeFigureOut">
               <a:rPr kumimoji="1" lang="ja-JP" altLang="en-US" smtClean="0"/>
-              <a:t>2025/10/2</a:t>
+              <a:t>2025/11/1</a:t>
             </a:fld>
             <a:endParaRPr kumimoji="1" lang="ja-JP" altLang="en-US"/>
           </a:p>
@@ -2926,7 +2927,7 @@
           <a:p>
             <a:fld id="{295B06FE-37B6-48BF-A4B7-00A16CD004B8}" type="datetimeFigureOut">
               <a:rPr kumimoji="1" lang="ja-JP" altLang="en-US" smtClean="0"/>
-              <a:t>2025/10/2</a:t>
+              <a:t>2025/11/1</a:t>
             </a:fld>
             <a:endParaRPr kumimoji="1" lang="ja-JP" altLang="en-US"/>
           </a:p>
@@ -3199,7 +3200,7 @@
           <a:p>
             <a:fld id="{295B06FE-37B6-48BF-A4B7-00A16CD004B8}" type="datetimeFigureOut">
               <a:rPr kumimoji="1" lang="ja-JP" altLang="en-US" smtClean="0"/>
-              <a:t>2025/10/2</a:t>
+              <a:t>2025/11/1</a:t>
             </a:fld>
             <a:endParaRPr kumimoji="1" lang="ja-JP" altLang="en-US"/>
           </a:p>
@@ -4429,6 +4430,1554 @@
 </p:sld>
 </file>
 
+<file path=ppt/slides/slide4.xml><?xml version="1.0" encoding="utf-8"?>
+<p:sld xmlns:a="http://schemas.openxmlformats.org/drawingml/2006/main" xmlns:r="http://schemas.openxmlformats.org/officeDocument/2006/relationships" xmlns:p="http://schemas.openxmlformats.org/presentationml/2006/main">
+  <p:cSld>
+    <p:spTree>
+      <p:nvGrpSpPr>
+        <p:cNvPr id="1" name=""/>
+        <p:cNvGrpSpPr/>
+        <p:nvPr/>
+      </p:nvGrpSpPr>
+      <p:grpSpPr>
+        <a:xfrm>
+          <a:off x="0" y="0"/>
+          <a:ext cx="0" cy="0"/>
+          <a:chOff x="0" y="0"/>
+          <a:chExt cx="0" cy="0"/>
+        </a:xfrm>
+      </p:grpSpPr>
+      <p:grpSp>
+        <p:nvGrpSpPr>
+          <p:cNvPr id="5" name="グループ化 4">
+            <a:extLst>
+              <a:ext uri="{FF2B5EF4-FFF2-40B4-BE49-F238E27FC236}">
+                <a16:creationId xmlns:a16="http://schemas.microsoft.com/office/drawing/2014/main" id="{1CF79699-C27F-70B0-1F9C-2ACE751D7392}"/>
+              </a:ext>
+            </a:extLst>
+          </p:cNvPr>
+          <p:cNvGrpSpPr/>
+          <p:nvPr/>
+        </p:nvGrpSpPr>
+        <p:grpSpPr>
+          <a:xfrm>
+            <a:off x="471948" y="125361"/>
+            <a:ext cx="3185652" cy="3303639"/>
+            <a:chOff x="3696929" y="2281083"/>
+            <a:chExt cx="3185652" cy="3303639"/>
+          </a:xfrm>
+          <a:effectLst/>
+        </p:grpSpPr>
+        <p:sp>
+          <p:nvSpPr>
+            <p:cNvPr id="2" name="星: 10 pt 1">
+              <a:extLst>
+                <a:ext uri="{FF2B5EF4-FFF2-40B4-BE49-F238E27FC236}">
+                  <a16:creationId xmlns:a16="http://schemas.microsoft.com/office/drawing/2014/main" id="{BE3FF5E0-D962-6D07-2F1E-81A5C8CF9BE0}"/>
+                </a:ext>
+              </a:extLst>
+            </p:cNvPr>
+            <p:cNvSpPr/>
+            <p:nvPr/>
+          </p:nvSpPr>
+          <p:spPr>
+            <a:xfrm>
+              <a:off x="3696929" y="2281083"/>
+              <a:ext cx="3185652" cy="3303639"/>
+            </a:xfrm>
+            <a:prstGeom prst="star10">
+              <a:avLst>
+                <a:gd name="adj" fmla="val 37473"/>
+                <a:gd name="hf" fmla="val 105146"/>
+              </a:avLst>
+            </a:prstGeom>
+            <a:gradFill flip="none" rotWithShape="1">
+              <a:gsLst>
+                <a:gs pos="0">
+                  <a:schemeClr val="accent1">
+                    <a:shade val="30000"/>
+                    <a:satMod val="115000"/>
+                  </a:schemeClr>
+                </a:gs>
+                <a:gs pos="50000">
+                  <a:schemeClr val="accent1">
+                    <a:shade val="67500"/>
+                    <a:satMod val="115000"/>
+                  </a:schemeClr>
+                </a:gs>
+                <a:gs pos="100000">
+                  <a:schemeClr val="accent1">
+                    <a:shade val="100000"/>
+                    <a:satMod val="115000"/>
+                  </a:schemeClr>
+                </a:gs>
+              </a:gsLst>
+              <a:path path="circle">
+                <a:fillToRect l="50000" t="50000" r="50000" b="50000"/>
+              </a:path>
+              <a:tileRect/>
+            </a:gradFill>
+            <a:ln>
+              <a:solidFill>
+                <a:schemeClr val="accent1">
+                  <a:lumMod val="75000"/>
+                </a:schemeClr>
+              </a:solidFill>
+            </a:ln>
+            <a:effectLst>
+              <a:glow rad="63500">
+                <a:schemeClr val="accent5">
+                  <a:satMod val="175000"/>
+                  <a:alpha val="40000"/>
+                </a:schemeClr>
+              </a:glow>
+            </a:effectLst>
+            <a:scene3d>
+              <a:camera prst="orthographicFront"/>
+              <a:lightRig rig="threePt" dir="t"/>
+            </a:scene3d>
+            <a:sp3d>
+              <a:bevelT prst="relaxedInset"/>
+            </a:sp3d>
+          </p:spPr>
+          <p:style>
+            <a:lnRef idx="2">
+              <a:schemeClr val="accent1">
+                <a:shade val="15000"/>
+              </a:schemeClr>
+            </a:lnRef>
+            <a:fillRef idx="1">
+              <a:schemeClr val="accent1"/>
+            </a:fillRef>
+            <a:effectRef idx="0">
+              <a:schemeClr val="accent1"/>
+            </a:effectRef>
+            <a:fontRef idx="minor">
+              <a:schemeClr val="lt1"/>
+            </a:fontRef>
+          </p:style>
+          <p:txBody>
+            <a:bodyPr rtlCol="0" anchor="ctr"/>
+            <a:lstStyle/>
+            <a:p>
+              <a:pPr algn="ctr"/>
+              <a:endParaRPr kumimoji="1" lang="ja-JP" altLang="en-US"/>
+            </a:p>
+          </p:txBody>
+        </p:sp>
+        <p:sp>
+          <p:nvSpPr>
+            <p:cNvPr id="3" name="星: 10 pt 2">
+              <a:extLst>
+                <a:ext uri="{FF2B5EF4-FFF2-40B4-BE49-F238E27FC236}">
+                  <a16:creationId xmlns:a16="http://schemas.microsoft.com/office/drawing/2014/main" id="{7E365E80-1185-61C2-DC8D-A7D1E9F4F050}"/>
+                </a:ext>
+              </a:extLst>
+            </p:cNvPr>
+            <p:cNvSpPr/>
+            <p:nvPr/>
+          </p:nvSpPr>
+          <p:spPr>
+            <a:xfrm rot="20524851">
+              <a:off x="4071982" y="2681694"/>
+              <a:ext cx="2435544" cy="2502414"/>
+            </a:xfrm>
+            <a:prstGeom prst="star10">
+              <a:avLst>
+                <a:gd name="adj" fmla="val 37473"/>
+                <a:gd name="hf" fmla="val 105146"/>
+              </a:avLst>
+            </a:prstGeom>
+            <a:solidFill>
+              <a:schemeClr val="accent1">
+                <a:lumMod val="40000"/>
+                <a:lumOff val="60000"/>
+              </a:schemeClr>
+            </a:solidFill>
+            <a:ln>
+              <a:noFill/>
+            </a:ln>
+            <a:effectLst/>
+            <a:scene3d>
+              <a:camera prst="orthographicFront">
+                <a:rot lat="0" lon="0" rev="0"/>
+              </a:camera>
+              <a:lightRig rig="glow" dir="t">
+                <a:rot lat="0" lon="0" rev="14100000"/>
+              </a:lightRig>
+            </a:scene3d>
+            <a:sp3d prstMaterial="softEdge">
+              <a:bevelT w="127000" prst="artDeco"/>
+            </a:sp3d>
+          </p:spPr>
+          <p:style>
+            <a:lnRef idx="2">
+              <a:schemeClr val="accent1">
+                <a:shade val="15000"/>
+              </a:schemeClr>
+            </a:lnRef>
+            <a:fillRef idx="1">
+              <a:schemeClr val="accent1"/>
+            </a:fillRef>
+            <a:effectRef idx="0">
+              <a:schemeClr val="accent1"/>
+            </a:effectRef>
+            <a:fontRef idx="minor">
+              <a:schemeClr val="lt1"/>
+            </a:fontRef>
+          </p:style>
+          <p:txBody>
+            <a:bodyPr rtlCol="0" anchor="ctr"/>
+            <a:lstStyle/>
+            <a:p>
+              <a:pPr algn="ctr"/>
+              <a:endParaRPr kumimoji="1" lang="ja-JP" altLang="en-US" b="1">
+                <a:ln w="10160">
+                  <a:solidFill>
+                    <a:schemeClr val="accent5"/>
+                  </a:solidFill>
+                  <a:prstDash val="solid"/>
+                </a:ln>
+                <a:solidFill>
+                  <a:srgbClr val="FFFFFF"/>
+                </a:solidFill>
+                <a:effectLst>
+                  <a:outerShdw blurRad="38100" dist="22860" dir="5400000" algn="tl" rotWithShape="0">
+                    <a:srgbClr val="000000">
+                      <a:alpha val="30000"/>
+                    </a:srgbClr>
+                  </a:outerShdw>
+                </a:effectLst>
+              </a:endParaRPr>
+            </a:p>
+          </p:txBody>
+        </p:sp>
+        <p:sp>
+          <p:nvSpPr>
+            <p:cNvPr id="4" name="テキスト ボックス 3">
+              <a:extLst>
+                <a:ext uri="{FF2B5EF4-FFF2-40B4-BE49-F238E27FC236}">
+                  <a16:creationId xmlns:a16="http://schemas.microsoft.com/office/drawing/2014/main" id="{A42979E2-12B4-293B-0FC6-F8D1C083CD65}"/>
+                </a:ext>
+              </a:extLst>
+            </p:cNvPr>
+            <p:cNvSpPr txBox="1"/>
+            <p:nvPr/>
+          </p:nvSpPr>
+          <p:spPr>
+            <a:xfrm>
+              <a:off x="4444210" y="3317240"/>
+              <a:ext cx="1651790" cy="1138773"/>
+            </a:xfrm>
+            <a:prstGeom prst="rect">
+              <a:avLst/>
+            </a:prstGeom>
+            <a:noFill/>
+          </p:spPr>
+          <p:txBody>
+            <a:bodyPr wrap="square" rtlCol="0">
+              <a:spAutoFit/>
+            </a:bodyPr>
+            <a:lstStyle/>
+            <a:p>
+              <a:pPr algn="ctr"/>
+              <a:r>
+                <a:rPr lang="en-US" altLang="ja-JP" sz="2400" b="1" dirty="0">
+                  <a:ln w="10160">
+                    <a:solidFill>
+                      <a:schemeClr val="accent5"/>
+                    </a:solidFill>
+                    <a:prstDash val="solid"/>
+                  </a:ln>
+                  <a:solidFill>
+                    <a:srgbClr val="FFFFFF"/>
+                  </a:solidFill>
+                  <a:effectLst>
+                    <a:outerShdw blurRad="38100" dist="22860" dir="5400000" algn="tl" rotWithShape="0">
+                      <a:srgbClr val="000000">
+                        <a:alpha val="30000"/>
+                      </a:srgbClr>
+                    </a:outerShdw>
+                  </a:effectLst>
+                </a:rPr>
+                <a:t>o</a:t>
+              </a:r>
+              <a:r>
+                <a:rPr kumimoji="1" lang="en-US" altLang="ja-JP" sz="2400" b="1" dirty="0">
+                  <a:ln w="10160">
+                    <a:solidFill>
+                      <a:schemeClr val="accent5"/>
+                    </a:solidFill>
+                    <a:prstDash val="solid"/>
+                  </a:ln>
+                  <a:solidFill>
+                    <a:srgbClr val="FFFFFF"/>
+                  </a:solidFill>
+                  <a:effectLst>
+                    <a:outerShdw blurRad="38100" dist="22860" dir="5400000" algn="tl" rotWithShape="0">
+                      <a:srgbClr val="000000">
+                        <a:alpha val="30000"/>
+                      </a:srgbClr>
+                    </a:outerShdw>
+                  </a:effectLst>
+                </a:rPr>
+                <a:t>ver</a:t>
+              </a:r>
+            </a:p>
+            <a:p>
+              <a:pPr algn="ctr"/>
+              <a:r>
+                <a:rPr lang="en-US" altLang="ja-JP" sz="4400" b="1" dirty="0">
+                  <a:ln w="10160">
+                    <a:solidFill>
+                      <a:schemeClr val="accent5"/>
+                    </a:solidFill>
+                    <a:prstDash val="solid"/>
+                  </a:ln>
+                  <a:solidFill>
+                    <a:srgbClr val="FFFFFF"/>
+                  </a:solidFill>
+                  <a:effectLst>
+                    <a:outerShdw blurRad="38100" dist="22860" dir="5400000" algn="tl" rotWithShape="0">
+                      <a:srgbClr val="000000">
+                        <a:alpha val="30000"/>
+                      </a:srgbClr>
+                    </a:outerShdw>
+                  </a:effectLst>
+                </a:rPr>
+                <a:t>2000</a:t>
+              </a:r>
+              <a:endParaRPr kumimoji="1" lang="ja-JP" altLang="en-US" sz="2400" b="1" dirty="0">
+                <a:ln w="10160">
+                  <a:solidFill>
+                    <a:schemeClr val="accent5"/>
+                  </a:solidFill>
+                  <a:prstDash val="solid"/>
+                </a:ln>
+                <a:solidFill>
+                  <a:srgbClr val="FFFFFF"/>
+                </a:solidFill>
+                <a:effectLst>
+                  <a:outerShdw blurRad="38100" dist="22860" dir="5400000" algn="tl" rotWithShape="0">
+                    <a:srgbClr val="000000">
+                      <a:alpha val="30000"/>
+                    </a:srgbClr>
+                  </a:outerShdw>
+                </a:effectLst>
+              </a:endParaRPr>
+            </a:p>
+          </p:txBody>
+        </p:sp>
+      </p:grpSp>
+      <p:grpSp>
+        <p:nvGrpSpPr>
+          <p:cNvPr id="6" name="グループ化 5">
+            <a:extLst>
+              <a:ext uri="{FF2B5EF4-FFF2-40B4-BE49-F238E27FC236}">
+                <a16:creationId xmlns:a16="http://schemas.microsoft.com/office/drawing/2014/main" id="{F3FD3A17-ECF5-88D3-4053-C2B927B2E740}"/>
+              </a:ext>
+            </a:extLst>
+          </p:cNvPr>
+          <p:cNvGrpSpPr/>
+          <p:nvPr/>
+        </p:nvGrpSpPr>
+        <p:grpSpPr>
+          <a:xfrm>
+            <a:off x="4085303" y="125359"/>
+            <a:ext cx="3185652" cy="3303639"/>
+            <a:chOff x="3696929" y="2281083"/>
+            <a:chExt cx="3185652" cy="3303639"/>
+          </a:xfrm>
+        </p:grpSpPr>
+        <p:sp>
+          <p:nvSpPr>
+            <p:cNvPr id="7" name="星: 10 pt 6">
+              <a:extLst>
+                <a:ext uri="{FF2B5EF4-FFF2-40B4-BE49-F238E27FC236}">
+                  <a16:creationId xmlns:a16="http://schemas.microsoft.com/office/drawing/2014/main" id="{84B62A90-4AA4-D770-B941-C7242F02EB65}"/>
+                </a:ext>
+              </a:extLst>
+            </p:cNvPr>
+            <p:cNvSpPr/>
+            <p:nvPr/>
+          </p:nvSpPr>
+          <p:spPr>
+            <a:xfrm>
+              <a:off x="3696929" y="2281083"/>
+              <a:ext cx="3185652" cy="3303639"/>
+            </a:xfrm>
+            <a:prstGeom prst="star10">
+              <a:avLst>
+                <a:gd name="adj" fmla="val 37473"/>
+                <a:gd name="hf" fmla="val 105146"/>
+              </a:avLst>
+            </a:prstGeom>
+            <a:solidFill>
+              <a:srgbClr val="00B050"/>
+            </a:solidFill>
+            <a:ln>
+              <a:solidFill>
+                <a:schemeClr val="accent6">
+                  <a:lumMod val="60000"/>
+                  <a:lumOff val="40000"/>
+                </a:schemeClr>
+              </a:solidFill>
+            </a:ln>
+            <a:effectLst>
+              <a:glow rad="139700">
+                <a:schemeClr val="accent6">
+                  <a:satMod val="175000"/>
+                  <a:alpha val="40000"/>
+                </a:schemeClr>
+              </a:glow>
+            </a:effectLst>
+            <a:scene3d>
+              <a:camera prst="orthographicFront"/>
+              <a:lightRig rig="threePt" dir="t"/>
+            </a:scene3d>
+            <a:sp3d>
+              <a:bevelT prst="relaxedInset"/>
+            </a:sp3d>
+          </p:spPr>
+          <p:style>
+            <a:lnRef idx="2">
+              <a:schemeClr val="accent1">
+                <a:shade val="15000"/>
+              </a:schemeClr>
+            </a:lnRef>
+            <a:fillRef idx="1">
+              <a:schemeClr val="accent1"/>
+            </a:fillRef>
+            <a:effectRef idx="0">
+              <a:schemeClr val="accent1"/>
+            </a:effectRef>
+            <a:fontRef idx="minor">
+              <a:schemeClr val="lt1"/>
+            </a:fontRef>
+          </p:style>
+          <p:txBody>
+            <a:bodyPr rtlCol="0" anchor="ctr"/>
+            <a:lstStyle/>
+            <a:p>
+              <a:pPr algn="ctr"/>
+              <a:endParaRPr kumimoji="1" lang="ja-JP" altLang="en-US">
+                <a:effectLst>
+                  <a:glow rad="139700">
+                    <a:schemeClr val="accent6">
+                      <a:satMod val="175000"/>
+                      <a:alpha val="40000"/>
+                    </a:schemeClr>
+                  </a:glow>
+                </a:effectLst>
+              </a:endParaRPr>
+            </a:p>
+          </p:txBody>
+        </p:sp>
+        <p:sp>
+          <p:nvSpPr>
+            <p:cNvPr id="8" name="星: 10 pt 7">
+              <a:extLst>
+                <a:ext uri="{FF2B5EF4-FFF2-40B4-BE49-F238E27FC236}">
+                  <a16:creationId xmlns:a16="http://schemas.microsoft.com/office/drawing/2014/main" id="{49B272E4-94B6-BABC-A986-F6ABF909A34F}"/>
+                </a:ext>
+              </a:extLst>
+            </p:cNvPr>
+            <p:cNvSpPr/>
+            <p:nvPr/>
+          </p:nvSpPr>
+          <p:spPr>
+            <a:xfrm rot="20524851">
+              <a:off x="4071982" y="2681694"/>
+              <a:ext cx="2435544" cy="2502414"/>
+            </a:xfrm>
+            <a:prstGeom prst="star10">
+              <a:avLst>
+                <a:gd name="adj" fmla="val 37473"/>
+                <a:gd name="hf" fmla="val 105146"/>
+              </a:avLst>
+            </a:prstGeom>
+            <a:solidFill>
+              <a:schemeClr val="accent6">
+                <a:lumMod val="40000"/>
+                <a:lumOff val="60000"/>
+              </a:schemeClr>
+            </a:solidFill>
+            <a:ln>
+              <a:noFill/>
+            </a:ln>
+            <a:effectLst/>
+            <a:scene3d>
+              <a:camera prst="orthographicFront">
+                <a:rot lat="0" lon="0" rev="0"/>
+              </a:camera>
+              <a:lightRig rig="glow" dir="t">
+                <a:rot lat="0" lon="0" rev="14100000"/>
+              </a:lightRig>
+            </a:scene3d>
+            <a:sp3d prstMaterial="softEdge">
+              <a:bevelT w="127000" prst="artDeco"/>
+            </a:sp3d>
+          </p:spPr>
+          <p:style>
+            <a:lnRef idx="2">
+              <a:schemeClr val="accent1">
+                <a:shade val="15000"/>
+              </a:schemeClr>
+            </a:lnRef>
+            <a:fillRef idx="1">
+              <a:schemeClr val="accent1"/>
+            </a:fillRef>
+            <a:effectRef idx="0">
+              <a:schemeClr val="accent1"/>
+            </a:effectRef>
+            <a:fontRef idx="minor">
+              <a:schemeClr val="lt1"/>
+            </a:fontRef>
+          </p:style>
+          <p:txBody>
+            <a:bodyPr rtlCol="0" anchor="ctr"/>
+            <a:lstStyle/>
+            <a:p>
+              <a:pPr algn="ctr"/>
+              <a:endParaRPr kumimoji="1" lang="ja-JP" altLang="en-US" b="1">
+                <a:ln w="10160">
+                  <a:solidFill>
+                    <a:schemeClr val="accent5"/>
+                  </a:solidFill>
+                  <a:prstDash val="solid"/>
+                </a:ln>
+                <a:solidFill>
+                  <a:srgbClr val="FFFFFF"/>
+                </a:solidFill>
+                <a:effectLst>
+                  <a:outerShdw blurRad="38100" dist="22860" dir="5400000" algn="tl" rotWithShape="0">
+                    <a:srgbClr val="000000">
+                      <a:alpha val="30000"/>
+                    </a:srgbClr>
+                  </a:outerShdw>
+                </a:effectLst>
+              </a:endParaRPr>
+            </a:p>
+          </p:txBody>
+        </p:sp>
+        <p:sp>
+          <p:nvSpPr>
+            <p:cNvPr id="9" name="テキスト ボックス 8">
+              <a:extLst>
+                <a:ext uri="{FF2B5EF4-FFF2-40B4-BE49-F238E27FC236}">
+                  <a16:creationId xmlns:a16="http://schemas.microsoft.com/office/drawing/2014/main" id="{5EA0CF30-8EE2-94AE-BFDD-C18C3CC40EBB}"/>
+                </a:ext>
+              </a:extLst>
+            </p:cNvPr>
+            <p:cNvSpPr txBox="1"/>
+            <p:nvPr/>
+          </p:nvSpPr>
+          <p:spPr>
+            <a:xfrm>
+              <a:off x="4444210" y="3317240"/>
+              <a:ext cx="1651790" cy="1138773"/>
+            </a:xfrm>
+            <a:prstGeom prst="rect">
+              <a:avLst/>
+            </a:prstGeom>
+            <a:noFill/>
+          </p:spPr>
+          <p:txBody>
+            <a:bodyPr wrap="square" rtlCol="0">
+              <a:spAutoFit/>
+            </a:bodyPr>
+            <a:lstStyle/>
+            <a:p>
+              <a:pPr algn="ctr"/>
+              <a:r>
+                <a:rPr lang="en-US" altLang="ja-JP" sz="2400" b="1" dirty="0">
+                  <a:ln w="10160">
+                    <a:solidFill>
+                      <a:srgbClr val="00B050"/>
+                    </a:solidFill>
+                    <a:prstDash val="solid"/>
+                  </a:ln>
+                  <a:solidFill>
+                    <a:srgbClr val="FFFFFF"/>
+                  </a:solidFill>
+                  <a:effectLst>
+                    <a:outerShdw blurRad="38100" dist="22860" dir="5400000" algn="tl" rotWithShape="0">
+                      <a:srgbClr val="000000">
+                        <a:alpha val="30000"/>
+                      </a:srgbClr>
+                    </a:outerShdw>
+                  </a:effectLst>
+                </a:rPr>
+                <a:t>o</a:t>
+              </a:r>
+              <a:r>
+                <a:rPr kumimoji="1" lang="en-US" altLang="ja-JP" sz="2400" b="1" dirty="0">
+                  <a:ln w="10160">
+                    <a:solidFill>
+                      <a:srgbClr val="00B050"/>
+                    </a:solidFill>
+                    <a:prstDash val="solid"/>
+                  </a:ln>
+                  <a:solidFill>
+                    <a:srgbClr val="FFFFFF"/>
+                  </a:solidFill>
+                  <a:effectLst>
+                    <a:outerShdw blurRad="38100" dist="22860" dir="5400000" algn="tl" rotWithShape="0">
+                      <a:srgbClr val="000000">
+                        <a:alpha val="30000"/>
+                      </a:srgbClr>
+                    </a:outerShdw>
+                  </a:effectLst>
+                </a:rPr>
+                <a:t>ver</a:t>
+              </a:r>
+            </a:p>
+            <a:p>
+              <a:pPr algn="ctr"/>
+              <a:r>
+                <a:rPr lang="en-US" altLang="ja-JP" sz="4400" b="1" dirty="0">
+                  <a:ln w="10160">
+                    <a:solidFill>
+                      <a:srgbClr val="00B050"/>
+                    </a:solidFill>
+                    <a:prstDash val="solid"/>
+                  </a:ln>
+                  <a:solidFill>
+                    <a:srgbClr val="FFFFFF"/>
+                  </a:solidFill>
+                  <a:effectLst>
+                    <a:outerShdw blurRad="38100" dist="22860" dir="5400000" algn="tl" rotWithShape="0">
+                      <a:srgbClr val="000000">
+                        <a:alpha val="30000"/>
+                      </a:srgbClr>
+                    </a:outerShdw>
+                  </a:effectLst>
+                </a:rPr>
+                <a:t>2000</a:t>
+              </a:r>
+              <a:endParaRPr kumimoji="1" lang="ja-JP" altLang="en-US" sz="2400" b="1" dirty="0">
+                <a:ln w="10160">
+                  <a:solidFill>
+                    <a:srgbClr val="00B050"/>
+                  </a:solidFill>
+                  <a:prstDash val="solid"/>
+                </a:ln>
+                <a:solidFill>
+                  <a:srgbClr val="FFFFFF"/>
+                </a:solidFill>
+                <a:effectLst>
+                  <a:outerShdw blurRad="38100" dist="22860" dir="5400000" algn="tl" rotWithShape="0">
+                    <a:srgbClr val="000000">
+                      <a:alpha val="30000"/>
+                    </a:srgbClr>
+                  </a:outerShdw>
+                </a:effectLst>
+              </a:endParaRPr>
+            </a:p>
+          </p:txBody>
+        </p:sp>
+      </p:grpSp>
+      <p:grpSp>
+        <p:nvGrpSpPr>
+          <p:cNvPr id="10" name="グループ化 9">
+            <a:extLst>
+              <a:ext uri="{FF2B5EF4-FFF2-40B4-BE49-F238E27FC236}">
+                <a16:creationId xmlns:a16="http://schemas.microsoft.com/office/drawing/2014/main" id="{9921EAAD-E11E-5605-C6A6-09BC5C0BF5ED}"/>
+              </a:ext>
+            </a:extLst>
+          </p:cNvPr>
+          <p:cNvGrpSpPr/>
+          <p:nvPr/>
+        </p:nvGrpSpPr>
+        <p:grpSpPr>
+          <a:xfrm>
+            <a:off x="7919914" y="211986"/>
+            <a:ext cx="3185652" cy="3303639"/>
+            <a:chOff x="3696929" y="2281083"/>
+            <a:chExt cx="3185652" cy="3303639"/>
+          </a:xfrm>
+        </p:grpSpPr>
+        <p:sp>
+          <p:nvSpPr>
+            <p:cNvPr id="11" name="星: 10 pt 10">
+              <a:extLst>
+                <a:ext uri="{FF2B5EF4-FFF2-40B4-BE49-F238E27FC236}">
+                  <a16:creationId xmlns:a16="http://schemas.microsoft.com/office/drawing/2014/main" id="{0ED75921-56C4-0AE8-A363-03B544F7C16F}"/>
+                </a:ext>
+              </a:extLst>
+            </p:cNvPr>
+            <p:cNvSpPr/>
+            <p:nvPr/>
+          </p:nvSpPr>
+          <p:spPr>
+            <a:xfrm>
+              <a:off x="3696929" y="2281083"/>
+              <a:ext cx="3185652" cy="3303639"/>
+            </a:xfrm>
+            <a:prstGeom prst="star10">
+              <a:avLst>
+                <a:gd name="adj" fmla="val 37473"/>
+                <a:gd name="hf" fmla="val 105146"/>
+              </a:avLst>
+            </a:prstGeom>
+            <a:solidFill>
+              <a:srgbClr val="7030A0"/>
+            </a:solidFill>
+            <a:ln>
+              <a:solidFill>
+                <a:srgbClr val="B909BD"/>
+              </a:solidFill>
+            </a:ln>
+            <a:effectLst>
+              <a:glow rad="101600">
+                <a:srgbClr val="7030A0">
+                  <a:alpha val="40000"/>
+                </a:srgbClr>
+              </a:glow>
+            </a:effectLst>
+            <a:scene3d>
+              <a:camera prst="orthographicFront"/>
+              <a:lightRig rig="threePt" dir="t"/>
+            </a:scene3d>
+            <a:sp3d>
+              <a:bevelT prst="relaxedInset"/>
+            </a:sp3d>
+          </p:spPr>
+          <p:style>
+            <a:lnRef idx="2">
+              <a:schemeClr val="accent1">
+                <a:shade val="15000"/>
+              </a:schemeClr>
+            </a:lnRef>
+            <a:fillRef idx="1">
+              <a:schemeClr val="accent1"/>
+            </a:fillRef>
+            <a:effectRef idx="0">
+              <a:schemeClr val="accent1"/>
+            </a:effectRef>
+            <a:fontRef idx="minor">
+              <a:schemeClr val="lt1"/>
+            </a:fontRef>
+          </p:style>
+          <p:txBody>
+            <a:bodyPr rtlCol="0" anchor="ctr"/>
+            <a:lstStyle/>
+            <a:p>
+              <a:pPr algn="ctr"/>
+              <a:endParaRPr kumimoji="1" lang="ja-JP" altLang="en-US"/>
+            </a:p>
+          </p:txBody>
+        </p:sp>
+        <p:sp>
+          <p:nvSpPr>
+            <p:cNvPr id="12" name="星: 10 pt 11">
+              <a:extLst>
+                <a:ext uri="{FF2B5EF4-FFF2-40B4-BE49-F238E27FC236}">
+                  <a16:creationId xmlns:a16="http://schemas.microsoft.com/office/drawing/2014/main" id="{762F8282-FF9E-EDD9-29BD-F1D24AD7380D}"/>
+                </a:ext>
+              </a:extLst>
+            </p:cNvPr>
+            <p:cNvSpPr/>
+            <p:nvPr/>
+          </p:nvSpPr>
+          <p:spPr>
+            <a:xfrm rot="20524851">
+              <a:off x="4071982" y="2681694"/>
+              <a:ext cx="2435544" cy="2502414"/>
+            </a:xfrm>
+            <a:prstGeom prst="star10">
+              <a:avLst>
+                <a:gd name="adj" fmla="val 37473"/>
+                <a:gd name="hf" fmla="val 105146"/>
+              </a:avLst>
+            </a:prstGeom>
+            <a:solidFill>
+              <a:srgbClr val="C188D8"/>
+            </a:solidFill>
+            <a:ln>
+              <a:noFill/>
+            </a:ln>
+            <a:effectLst/>
+            <a:scene3d>
+              <a:camera prst="orthographicFront">
+                <a:rot lat="0" lon="0" rev="0"/>
+              </a:camera>
+              <a:lightRig rig="glow" dir="t">
+                <a:rot lat="0" lon="0" rev="14100000"/>
+              </a:lightRig>
+            </a:scene3d>
+            <a:sp3d prstMaterial="softEdge">
+              <a:bevelT w="127000" prst="artDeco"/>
+            </a:sp3d>
+          </p:spPr>
+          <p:style>
+            <a:lnRef idx="2">
+              <a:schemeClr val="accent1">
+                <a:shade val="15000"/>
+              </a:schemeClr>
+            </a:lnRef>
+            <a:fillRef idx="1">
+              <a:schemeClr val="accent1"/>
+            </a:fillRef>
+            <a:effectRef idx="0">
+              <a:schemeClr val="accent1"/>
+            </a:effectRef>
+            <a:fontRef idx="minor">
+              <a:schemeClr val="lt1"/>
+            </a:fontRef>
+          </p:style>
+          <p:txBody>
+            <a:bodyPr rtlCol="0" anchor="ctr"/>
+            <a:lstStyle/>
+            <a:p>
+              <a:pPr algn="ctr"/>
+              <a:endParaRPr kumimoji="1" lang="ja-JP" altLang="en-US" b="1">
+                <a:ln w="10160">
+                  <a:solidFill>
+                    <a:srgbClr val="7030A0"/>
+                  </a:solidFill>
+                  <a:prstDash val="solid"/>
+                </a:ln>
+                <a:solidFill>
+                  <a:srgbClr val="FFFFFF"/>
+                </a:solidFill>
+                <a:effectLst>
+                  <a:outerShdw blurRad="38100" dist="22860" dir="5400000" algn="tl" rotWithShape="0">
+                    <a:srgbClr val="000000">
+                      <a:alpha val="30000"/>
+                    </a:srgbClr>
+                  </a:outerShdw>
+                </a:effectLst>
+              </a:endParaRPr>
+            </a:p>
+          </p:txBody>
+        </p:sp>
+        <p:sp>
+          <p:nvSpPr>
+            <p:cNvPr id="13" name="テキスト ボックス 12">
+              <a:extLst>
+                <a:ext uri="{FF2B5EF4-FFF2-40B4-BE49-F238E27FC236}">
+                  <a16:creationId xmlns:a16="http://schemas.microsoft.com/office/drawing/2014/main" id="{6FD27A1E-0746-B635-9499-F2C5C87F21EA}"/>
+                </a:ext>
+              </a:extLst>
+            </p:cNvPr>
+            <p:cNvSpPr txBox="1"/>
+            <p:nvPr/>
+          </p:nvSpPr>
+          <p:spPr>
+            <a:xfrm>
+              <a:off x="4444210" y="3317240"/>
+              <a:ext cx="1651790" cy="1138773"/>
+            </a:xfrm>
+            <a:prstGeom prst="rect">
+              <a:avLst/>
+            </a:prstGeom>
+            <a:noFill/>
+          </p:spPr>
+          <p:txBody>
+            <a:bodyPr wrap="square" rtlCol="0">
+              <a:spAutoFit/>
+            </a:bodyPr>
+            <a:lstStyle/>
+            <a:p>
+              <a:pPr algn="ctr"/>
+              <a:r>
+                <a:rPr lang="en-US" altLang="ja-JP" sz="2400" b="1" dirty="0">
+                  <a:ln w="10160">
+                    <a:solidFill>
+                      <a:srgbClr val="7030A0"/>
+                    </a:solidFill>
+                    <a:prstDash val="solid"/>
+                  </a:ln>
+                  <a:solidFill>
+                    <a:srgbClr val="FFFFFF"/>
+                  </a:solidFill>
+                  <a:effectLst>
+                    <a:outerShdw blurRad="38100" dist="22860" dir="5400000" algn="tl" rotWithShape="0">
+                      <a:srgbClr val="000000">
+                        <a:alpha val="30000"/>
+                      </a:srgbClr>
+                    </a:outerShdw>
+                  </a:effectLst>
+                </a:rPr>
+                <a:t>o</a:t>
+              </a:r>
+              <a:r>
+                <a:rPr kumimoji="1" lang="en-US" altLang="ja-JP" sz="2400" b="1" dirty="0">
+                  <a:ln w="10160">
+                    <a:solidFill>
+                      <a:srgbClr val="7030A0"/>
+                    </a:solidFill>
+                    <a:prstDash val="solid"/>
+                  </a:ln>
+                  <a:solidFill>
+                    <a:srgbClr val="FFFFFF"/>
+                  </a:solidFill>
+                  <a:effectLst>
+                    <a:outerShdw blurRad="38100" dist="22860" dir="5400000" algn="tl" rotWithShape="0">
+                      <a:srgbClr val="000000">
+                        <a:alpha val="30000"/>
+                      </a:srgbClr>
+                    </a:outerShdw>
+                  </a:effectLst>
+                </a:rPr>
+                <a:t>ver</a:t>
+              </a:r>
+            </a:p>
+            <a:p>
+              <a:pPr algn="ctr"/>
+              <a:r>
+                <a:rPr lang="en-US" altLang="ja-JP" sz="4400" b="1" dirty="0">
+                  <a:ln w="10160">
+                    <a:solidFill>
+                      <a:srgbClr val="7030A0"/>
+                    </a:solidFill>
+                    <a:prstDash val="solid"/>
+                  </a:ln>
+                  <a:solidFill>
+                    <a:srgbClr val="FFFFFF"/>
+                  </a:solidFill>
+                  <a:effectLst>
+                    <a:outerShdw blurRad="38100" dist="22860" dir="5400000" algn="tl" rotWithShape="0">
+                      <a:srgbClr val="000000">
+                        <a:alpha val="30000"/>
+                      </a:srgbClr>
+                    </a:outerShdw>
+                  </a:effectLst>
+                </a:rPr>
+                <a:t>2000</a:t>
+              </a:r>
+              <a:endParaRPr kumimoji="1" lang="ja-JP" altLang="en-US" sz="2400" b="1" dirty="0">
+                <a:ln w="10160">
+                  <a:solidFill>
+                    <a:srgbClr val="7030A0"/>
+                  </a:solidFill>
+                  <a:prstDash val="solid"/>
+                </a:ln>
+                <a:solidFill>
+                  <a:srgbClr val="FFFFFF"/>
+                </a:solidFill>
+                <a:effectLst>
+                  <a:outerShdw blurRad="38100" dist="22860" dir="5400000" algn="tl" rotWithShape="0">
+                    <a:srgbClr val="000000">
+                      <a:alpha val="30000"/>
+                    </a:srgbClr>
+                  </a:outerShdw>
+                </a:effectLst>
+              </a:endParaRPr>
+            </a:p>
+          </p:txBody>
+        </p:sp>
+      </p:grpSp>
+      <p:grpSp>
+        <p:nvGrpSpPr>
+          <p:cNvPr id="14" name="グループ化 13">
+            <a:extLst>
+              <a:ext uri="{FF2B5EF4-FFF2-40B4-BE49-F238E27FC236}">
+                <a16:creationId xmlns:a16="http://schemas.microsoft.com/office/drawing/2014/main" id="{B503458A-D80D-D8C9-DA12-9788ED1C4891}"/>
+              </a:ext>
+            </a:extLst>
+          </p:cNvPr>
+          <p:cNvGrpSpPr/>
+          <p:nvPr/>
+        </p:nvGrpSpPr>
+        <p:grpSpPr>
+          <a:xfrm>
+            <a:off x="2325159" y="3554361"/>
+            <a:ext cx="3185652" cy="3303639"/>
+            <a:chOff x="3696929" y="2281083"/>
+            <a:chExt cx="3185652" cy="3303639"/>
+          </a:xfrm>
+        </p:grpSpPr>
+        <p:sp>
+          <p:nvSpPr>
+            <p:cNvPr id="15" name="星: 10 pt 14">
+              <a:extLst>
+                <a:ext uri="{FF2B5EF4-FFF2-40B4-BE49-F238E27FC236}">
+                  <a16:creationId xmlns:a16="http://schemas.microsoft.com/office/drawing/2014/main" id="{E10FC471-2DC6-7F46-A19A-9BE584C1555F}"/>
+                </a:ext>
+              </a:extLst>
+            </p:cNvPr>
+            <p:cNvSpPr/>
+            <p:nvPr/>
+          </p:nvSpPr>
+          <p:spPr>
+            <a:xfrm>
+              <a:off x="3696929" y="2281083"/>
+              <a:ext cx="3185652" cy="3303639"/>
+            </a:xfrm>
+            <a:prstGeom prst="star10">
+              <a:avLst>
+                <a:gd name="adj" fmla="val 37473"/>
+                <a:gd name="hf" fmla="val 105146"/>
+              </a:avLst>
+            </a:prstGeom>
+            <a:solidFill>
+              <a:srgbClr val="F03510"/>
+            </a:solidFill>
+            <a:ln>
+              <a:solidFill>
+                <a:schemeClr val="accent1">
+                  <a:lumMod val="75000"/>
+                </a:schemeClr>
+              </a:solidFill>
+            </a:ln>
+            <a:effectLst>
+              <a:glow rad="101600">
+                <a:schemeClr val="accent2">
+                  <a:satMod val="175000"/>
+                  <a:alpha val="40000"/>
+                </a:schemeClr>
+              </a:glow>
+            </a:effectLst>
+            <a:scene3d>
+              <a:camera prst="orthographicFront"/>
+              <a:lightRig rig="threePt" dir="t"/>
+            </a:scene3d>
+            <a:sp3d>
+              <a:bevelT prst="relaxedInset"/>
+            </a:sp3d>
+          </p:spPr>
+          <p:style>
+            <a:lnRef idx="2">
+              <a:schemeClr val="accent1">
+                <a:shade val="15000"/>
+              </a:schemeClr>
+            </a:lnRef>
+            <a:fillRef idx="1">
+              <a:schemeClr val="accent1"/>
+            </a:fillRef>
+            <a:effectRef idx="0">
+              <a:schemeClr val="accent1"/>
+            </a:effectRef>
+            <a:fontRef idx="minor">
+              <a:schemeClr val="lt1"/>
+            </a:fontRef>
+          </p:style>
+          <p:txBody>
+            <a:bodyPr rtlCol="0" anchor="ctr"/>
+            <a:lstStyle/>
+            <a:p>
+              <a:pPr algn="ctr"/>
+              <a:endParaRPr kumimoji="1" lang="ja-JP" altLang="en-US"/>
+            </a:p>
+          </p:txBody>
+        </p:sp>
+        <p:sp>
+          <p:nvSpPr>
+            <p:cNvPr id="16" name="星: 10 pt 15">
+              <a:extLst>
+                <a:ext uri="{FF2B5EF4-FFF2-40B4-BE49-F238E27FC236}">
+                  <a16:creationId xmlns:a16="http://schemas.microsoft.com/office/drawing/2014/main" id="{25CC1A9B-D594-B374-A044-002224C72A55}"/>
+                </a:ext>
+              </a:extLst>
+            </p:cNvPr>
+            <p:cNvSpPr/>
+            <p:nvPr/>
+          </p:nvSpPr>
+          <p:spPr>
+            <a:xfrm rot="20524851">
+              <a:off x="4071982" y="2681694"/>
+              <a:ext cx="2435544" cy="2502414"/>
+            </a:xfrm>
+            <a:prstGeom prst="star10">
+              <a:avLst>
+                <a:gd name="adj" fmla="val 37473"/>
+                <a:gd name="hf" fmla="val 105146"/>
+              </a:avLst>
+            </a:prstGeom>
+            <a:solidFill>
+              <a:schemeClr val="accent2">
+                <a:lumMod val="40000"/>
+                <a:lumOff val="60000"/>
+              </a:schemeClr>
+            </a:solidFill>
+            <a:ln>
+              <a:noFill/>
+            </a:ln>
+            <a:effectLst/>
+            <a:scene3d>
+              <a:camera prst="orthographicFront">
+                <a:rot lat="0" lon="0" rev="0"/>
+              </a:camera>
+              <a:lightRig rig="glow" dir="t">
+                <a:rot lat="0" lon="0" rev="14100000"/>
+              </a:lightRig>
+            </a:scene3d>
+            <a:sp3d prstMaterial="softEdge">
+              <a:bevelT w="127000" prst="artDeco"/>
+            </a:sp3d>
+          </p:spPr>
+          <p:style>
+            <a:lnRef idx="2">
+              <a:schemeClr val="accent1">
+                <a:shade val="15000"/>
+              </a:schemeClr>
+            </a:lnRef>
+            <a:fillRef idx="1">
+              <a:schemeClr val="accent1"/>
+            </a:fillRef>
+            <a:effectRef idx="0">
+              <a:schemeClr val="accent1"/>
+            </a:effectRef>
+            <a:fontRef idx="minor">
+              <a:schemeClr val="lt1"/>
+            </a:fontRef>
+          </p:style>
+          <p:txBody>
+            <a:bodyPr rtlCol="0" anchor="ctr"/>
+            <a:lstStyle/>
+            <a:p>
+              <a:pPr algn="ctr"/>
+              <a:endParaRPr kumimoji="1" lang="ja-JP" altLang="en-US" b="1">
+                <a:ln w="10160">
+                  <a:solidFill>
+                    <a:schemeClr val="accent5"/>
+                  </a:solidFill>
+                  <a:prstDash val="solid"/>
+                </a:ln>
+                <a:solidFill>
+                  <a:srgbClr val="FFFFFF"/>
+                </a:solidFill>
+                <a:effectLst>
+                  <a:outerShdw blurRad="38100" dist="22860" dir="5400000" algn="tl" rotWithShape="0">
+                    <a:srgbClr val="000000">
+                      <a:alpha val="30000"/>
+                    </a:srgbClr>
+                  </a:outerShdw>
+                </a:effectLst>
+              </a:endParaRPr>
+            </a:p>
+          </p:txBody>
+        </p:sp>
+        <p:sp>
+          <p:nvSpPr>
+            <p:cNvPr id="17" name="テキスト ボックス 16">
+              <a:extLst>
+                <a:ext uri="{FF2B5EF4-FFF2-40B4-BE49-F238E27FC236}">
+                  <a16:creationId xmlns:a16="http://schemas.microsoft.com/office/drawing/2014/main" id="{C99CD598-7A71-6E1A-5A28-78251DEB91E8}"/>
+                </a:ext>
+              </a:extLst>
+            </p:cNvPr>
+            <p:cNvSpPr txBox="1"/>
+            <p:nvPr/>
+          </p:nvSpPr>
+          <p:spPr>
+            <a:xfrm>
+              <a:off x="4444210" y="3317240"/>
+              <a:ext cx="1651790" cy="1138773"/>
+            </a:xfrm>
+            <a:prstGeom prst="rect">
+              <a:avLst/>
+            </a:prstGeom>
+            <a:noFill/>
+          </p:spPr>
+          <p:txBody>
+            <a:bodyPr wrap="square" rtlCol="0">
+              <a:spAutoFit/>
+            </a:bodyPr>
+            <a:lstStyle/>
+            <a:p>
+              <a:pPr algn="ctr"/>
+              <a:r>
+                <a:rPr lang="en-US" altLang="ja-JP" sz="2400" b="1" dirty="0">
+                  <a:ln w="10160">
+                    <a:solidFill>
+                      <a:srgbClr val="FF0000"/>
+                    </a:solidFill>
+                    <a:prstDash val="solid"/>
+                  </a:ln>
+                  <a:solidFill>
+                    <a:srgbClr val="FFFFFF"/>
+                  </a:solidFill>
+                  <a:effectLst>
+                    <a:outerShdw blurRad="38100" dist="22860" dir="5400000" algn="tl" rotWithShape="0">
+                      <a:srgbClr val="000000">
+                        <a:alpha val="30000"/>
+                      </a:srgbClr>
+                    </a:outerShdw>
+                  </a:effectLst>
+                </a:rPr>
+                <a:t>o</a:t>
+              </a:r>
+              <a:r>
+                <a:rPr kumimoji="1" lang="en-US" altLang="ja-JP" sz="2400" b="1" dirty="0">
+                  <a:ln w="10160">
+                    <a:solidFill>
+                      <a:srgbClr val="FF0000"/>
+                    </a:solidFill>
+                    <a:prstDash val="solid"/>
+                  </a:ln>
+                  <a:solidFill>
+                    <a:srgbClr val="FFFFFF"/>
+                  </a:solidFill>
+                  <a:effectLst>
+                    <a:outerShdw blurRad="38100" dist="22860" dir="5400000" algn="tl" rotWithShape="0">
+                      <a:srgbClr val="000000">
+                        <a:alpha val="30000"/>
+                      </a:srgbClr>
+                    </a:outerShdw>
+                  </a:effectLst>
+                </a:rPr>
+                <a:t>ver</a:t>
+              </a:r>
+            </a:p>
+            <a:p>
+              <a:pPr algn="ctr"/>
+              <a:r>
+                <a:rPr lang="en-US" altLang="ja-JP" sz="4400" b="1" dirty="0">
+                  <a:ln w="10160">
+                    <a:solidFill>
+                      <a:srgbClr val="FF0000"/>
+                    </a:solidFill>
+                    <a:prstDash val="solid"/>
+                  </a:ln>
+                  <a:solidFill>
+                    <a:srgbClr val="FFFFFF"/>
+                  </a:solidFill>
+                  <a:effectLst>
+                    <a:outerShdw blurRad="38100" dist="22860" dir="5400000" algn="tl" rotWithShape="0">
+                      <a:srgbClr val="000000">
+                        <a:alpha val="30000"/>
+                      </a:srgbClr>
+                    </a:outerShdw>
+                  </a:effectLst>
+                </a:rPr>
+                <a:t>2000</a:t>
+              </a:r>
+              <a:endParaRPr kumimoji="1" lang="ja-JP" altLang="en-US" sz="2400" b="1" dirty="0">
+                <a:ln w="10160">
+                  <a:solidFill>
+                    <a:srgbClr val="FF0000"/>
+                  </a:solidFill>
+                  <a:prstDash val="solid"/>
+                </a:ln>
+                <a:solidFill>
+                  <a:srgbClr val="FFFFFF"/>
+                </a:solidFill>
+                <a:effectLst>
+                  <a:outerShdw blurRad="38100" dist="22860" dir="5400000" algn="tl" rotWithShape="0">
+                    <a:srgbClr val="000000">
+                      <a:alpha val="30000"/>
+                    </a:srgbClr>
+                  </a:outerShdw>
+                </a:effectLst>
+              </a:endParaRPr>
+            </a:p>
+          </p:txBody>
+        </p:sp>
+      </p:grpSp>
+      <p:grpSp>
+        <p:nvGrpSpPr>
+          <p:cNvPr id="18" name="グループ化 17">
+            <a:extLst>
+              <a:ext uri="{FF2B5EF4-FFF2-40B4-BE49-F238E27FC236}">
+                <a16:creationId xmlns:a16="http://schemas.microsoft.com/office/drawing/2014/main" id="{E9CDC74F-462D-530A-D874-4E76EDF90CFD}"/>
+              </a:ext>
+            </a:extLst>
+          </p:cNvPr>
+          <p:cNvGrpSpPr/>
+          <p:nvPr/>
+        </p:nvGrpSpPr>
+        <p:grpSpPr>
+          <a:xfrm>
+            <a:off x="6096000" y="3554361"/>
+            <a:ext cx="3185652" cy="3303639"/>
+            <a:chOff x="3696929" y="2281083"/>
+            <a:chExt cx="3185652" cy="3303639"/>
+          </a:xfrm>
+        </p:grpSpPr>
+        <p:sp>
+          <p:nvSpPr>
+            <p:cNvPr id="19" name="星: 10 pt 18">
+              <a:extLst>
+                <a:ext uri="{FF2B5EF4-FFF2-40B4-BE49-F238E27FC236}">
+                  <a16:creationId xmlns:a16="http://schemas.microsoft.com/office/drawing/2014/main" id="{DFF1B74A-950D-3DE5-7947-02898659D0F6}"/>
+                </a:ext>
+              </a:extLst>
+            </p:cNvPr>
+            <p:cNvSpPr/>
+            <p:nvPr/>
+          </p:nvSpPr>
+          <p:spPr>
+            <a:xfrm>
+              <a:off x="3696929" y="2281083"/>
+              <a:ext cx="3185652" cy="3303639"/>
+            </a:xfrm>
+            <a:prstGeom prst="star10">
+              <a:avLst>
+                <a:gd name="adj" fmla="val 37473"/>
+                <a:gd name="hf" fmla="val 105146"/>
+              </a:avLst>
+            </a:prstGeom>
+            <a:solidFill>
+              <a:srgbClr val="FFFF00"/>
+            </a:solidFill>
+            <a:ln>
+              <a:solidFill>
+                <a:schemeClr val="accent1">
+                  <a:lumMod val="75000"/>
+                </a:schemeClr>
+              </a:solidFill>
+            </a:ln>
+            <a:effectLst>
+              <a:glow rad="101600">
+                <a:schemeClr val="accent4">
+                  <a:satMod val="175000"/>
+                  <a:alpha val="40000"/>
+                </a:schemeClr>
+              </a:glow>
+            </a:effectLst>
+            <a:scene3d>
+              <a:camera prst="orthographicFront"/>
+              <a:lightRig rig="threePt" dir="t"/>
+            </a:scene3d>
+            <a:sp3d>
+              <a:bevelT prst="relaxedInset"/>
+            </a:sp3d>
+          </p:spPr>
+          <p:style>
+            <a:lnRef idx="2">
+              <a:schemeClr val="accent1">
+                <a:shade val="15000"/>
+              </a:schemeClr>
+            </a:lnRef>
+            <a:fillRef idx="1">
+              <a:schemeClr val="accent1"/>
+            </a:fillRef>
+            <a:effectRef idx="0">
+              <a:schemeClr val="accent1"/>
+            </a:effectRef>
+            <a:fontRef idx="minor">
+              <a:schemeClr val="lt1"/>
+            </a:fontRef>
+          </p:style>
+          <p:txBody>
+            <a:bodyPr rtlCol="0" anchor="ctr"/>
+            <a:lstStyle/>
+            <a:p>
+              <a:pPr algn="ctr"/>
+              <a:endParaRPr kumimoji="1" lang="ja-JP" altLang="en-US" dirty="0"/>
+            </a:p>
+          </p:txBody>
+        </p:sp>
+        <p:sp>
+          <p:nvSpPr>
+            <p:cNvPr id="20" name="星: 10 pt 19">
+              <a:extLst>
+                <a:ext uri="{FF2B5EF4-FFF2-40B4-BE49-F238E27FC236}">
+                  <a16:creationId xmlns:a16="http://schemas.microsoft.com/office/drawing/2014/main" id="{00D34A08-F1A8-45D1-F308-84AAD2279F9C}"/>
+                </a:ext>
+              </a:extLst>
+            </p:cNvPr>
+            <p:cNvSpPr/>
+            <p:nvPr/>
+          </p:nvSpPr>
+          <p:spPr>
+            <a:xfrm rot="20524851">
+              <a:off x="4071982" y="2681694"/>
+              <a:ext cx="2435544" cy="2502414"/>
+            </a:xfrm>
+            <a:prstGeom prst="star10">
+              <a:avLst>
+                <a:gd name="adj" fmla="val 37473"/>
+                <a:gd name="hf" fmla="val 105146"/>
+              </a:avLst>
+            </a:prstGeom>
+            <a:solidFill>
+              <a:schemeClr val="accent4">
+                <a:lumMod val="20000"/>
+                <a:lumOff val="80000"/>
+              </a:schemeClr>
+            </a:solidFill>
+            <a:ln>
+              <a:noFill/>
+            </a:ln>
+            <a:effectLst/>
+            <a:scene3d>
+              <a:camera prst="orthographicFront">
+                <a:rot lat="0" lon="0" rev="0"/>
+              </a:camera>
+              <a:lightRig rig="glow" dir="t">
+                <a:rot lat="0" lon="0" rev="14100000"/>
+              </a:lightRig>
+            </a:scene3d>
+            <a:sp3d prstMaterial="softEdge">
+              <a:bevelT w="127000" prst="artDeco"/>
+            </a:sp3d>
+          </p:spPr>
+          <p:style>
+            <a:lnRef idx="2">
+              <a:schemeClr val="accent1">
+                <a:shade val="15000"/>
+              </a:schemeClr>
+            </a:lnRef>
+            <a:fillRef idx="1">
+              <a:schemeClr val="accent1"/>
+            </a:fillRef>
+            <a:effectRef idx="0">
+              <a:schemeClr val="accent1"/>
+            </a:effectRef>
+            <a:fontRef idx="minor">
+              <a:schemeClr val="lt1"/>
+            </a:fontRef>
+          </p:style>
+          <p:txBody>
+            <a:bodyPr rtlCol="0" anchor="ctr"/>
+            <a:lstStyle/>
+            <a:p>
+              <a:pPr algn="ctr"/>
+              <a:endParaRPr kumimoji="1" lang="ja-JP" altLang="en-US" b="1">
+                <a:ln w="10160">
+                  <a:solidFill>
+                    <a:schemeClr val="accent5"/>
+                  </a:solidFill>
+                  <a:prstDash val="solid"/>
+                </a:ln>
+                <a:solidFill>
+                  <a:srgbClr val="FFFFFF"/>
+                </a:solidFill>
+                <a:effectLst>
+                  <a:outerShdw blurRad="38100" dist="22860" dir="5400000" algn="tl" rotWithShape="0">
+                    <a:srgbClr val="000000">
+                      <a:alpha val="30000"/>
+                    </a:srgbClr>
+                  </a:outerShdw>
+                </a:effectLst>
+              </a:endParaRPr>
+            </a:p>
+          </p:txBody>
+        </p:sp>
+        <p:sp>
+          <p:nvSpPr>
+            <p:cNvPr id="21" name="テキスト ボックス 20">
+              <a:extLst>
+                <a:ext uri="{FF2B5EF4-FFF2-40B4-BE49-F238E27FC236}">
+                  <a16:creationId xmlns:a16="http://schemas.microsoft.com/office/drawing/2014/main" id="{1373A4DC-C561-93F1-30CF-703993A78706}"/>
+                </a:ext>
+              </a:extLst>
+            </p:cNvPr>
+            <p:cNvSpPr txBox="1"/>
+            <p:nvPr/>
+          </p:nvSpPr>
+          <p:spPr>
+            <a:xfrm>
+              <a:off x="4444210" y="3317240"/>
+              <a:ext cx="1651790" cy="1138773"/>
+            </a:xfrm>
+            <a:prstGeom prst="rect">
+              <a:avLst/>
+            </a:prstGeom>
+            <a:noFill/>
+          </p:spPr>
+          <p:txBody>
+            <a:bodyPr wrap="square" rtlCol="0">
+              <a:spAutoFit/>
+            </a:bodyPr>
+            <a:lstStyle/>
+            <a:p>
+              <a:pPr algn="ctr"/>
+              <a:r>
+                <a:rPr lang="en-US" altLang="ja-JP" sz="2400" b="1" dirty="0">
+                  <a:ln w="10160">
+                    <a:solidFill>
+                      <a:srgbClr val="FFFF00"/>
+                    </a:solidFill>
+                    <a:prstDash val="solid"/>
+                  </a:ln>
+                  <a:solidFill>
+                    <a:srgbClr val="FFFFFF"/>
+                  </a:solidFill>
+                  <a:effectLst>
+                    <a:outerShdw blurRad="38100" dist="22860" dir="5400000" algn="tl" rotWithShape="0">
+                      <a:srgbClr val="000000">
+                        <a:alpha val="30000"/>
+                      </a:srgbClr>
+                    </a:outerShdw>
+                  </a:effectLst>
+                </a:rPr>
+                <a:t>o</a:t>
+              </a:r>
+              <a:r>
+                <a:rPr kumimoji="1" lang="en-US" altLang="ja-JP" sz="2400" b="1" dirty="0">
+                  <a:ln w="10160">
+                    <a:solidFill>
+                      <a:srgbClr val="FFFF00"/>
+                    </a:solidFill>
+                    <a:prstDash val="solid"/>
+                  </a:ln>
+                  <a:solidFill>
+                    <a:srgbClr val="FFFFFF"/>
+                  </a:solidFill>
+                  <a:effectLst>
+                    <a:outerShdw blurRad="38100" dist="22860" dir="5400000" algn="tl" rotWithShape="0">
+                      <a:srgbClr val="000000">
+                        <a:alpha val="30000"/>
+                      </a:srgbClr>
+                    </a:outerShdw>
+                  </a:effectLst>
+                </a:rPr>
+                <a:t>ver</a:t>
+              </a:r>
+            </a:p>
+            <a:p>
+              <a:pPr algn="ctr"/>
+              <a:r>
+                <a:rPr lang="en-US" altLang="ja-JP" sz="4400" b="1" dirty="0">
+                  <a:ln w="10160">
+                    <a:solidFill>
+                      <a:srgbClr val="FFFF00"/>
+                    </a:solidFill>
+                    <a:prstDash val="solid"/>
+                  </a:ln>
+                  <a:solidFill>
+                    <a:srgbClr val="FFFFFF"/>
+                  </a:solidFill>
+                  <a:effectLst>
+                    <a:outerShdw blurRad="38100" dist="22860" dir="5400000" algn="tl" rotWithShape="0">
+                      <a:srgbClr val="000000">
+                        <a:alpha val="30000"/>
+                      </a:srgbClr>
+                    </a:outerShdw>
+                  </a:effectLst>
+                </a:rPr>
+                <a:t>2000</a:t>
+              </a:r>
+              <a:endParaRPr kumimoji="1" lang="ja-JP" altLang="en-US" sz="2400" b="1" dirty="0">
+                <a:ln w="10160">
+                  <a:solidFill>
+                    <a:srgbClr val="FFFF00"/>
+                  </a:solidFill>
+                  <a:prstDash val="solid"/>
+                </a:ln>
+                <a:solidFill>
+                  <a:srgbClr val="FFFFFF"/>
+                </a:solidFill>
+                <a:effectLst>
+                  <a:outerShdw blurRad="38100" dist="22860" dir="5400000" algn="tl" rotWithShape="0">
+                    <a:srgbClr val="000000">
+                      <a:alpha val="30000"/>
+                    </a:srgbClr>
+                  </a:outerShdw>
+                </a:effectLst>
+              </a:endParaRPr>
+            </a:p>
+          </p:txBody>
+        </p:sp>
+      </p:grpSp>
+    </p:spTree>
+    <p:extLst>
+      <p:ext uri="{BB962C8B-B14F-4D97-AF65-F5344CB8AC3E}">
+        <p14:creationId xmlns:p14="http://schemas.microsoft.com/office/powerpoint/2010/main" val="1054926294"/>
+      </p:ext>
+    </p:extLst>
+  </p:cSld>
+  <p:clrMapOvr>
+    <a:masterClrMapping/>
+  </p:clrMapOvr>
+</p:sld>
+</file>
+
 <file path=ppt/theme/theme1.xml><?xml version="1.0" encoding="utf-8"?>
 <a:theme xmlns:a="http://schemas.openxmlformats.org/drawingml/2006/main" name="Office テーマ">
   <a:themeElements>
